--- a/Presentación.pptx
+++ b/Presentación.pptx
@@ -6,7 +6,7 @@
     <p:sldMasterId id="2147483661" r:id="rId2"/>
   </p:sldMasterIdLst>
   <p:notesMasterIdLst>
-    <p:notesMasterId r:id="rId24"/>
+    <p:notesMasterId r:id="rId23"/>
   </p:notesMasterIdLst>
   <p:sldIdLst>
     <p:sldId id="256" r:id="rId3"/>
@@ -19,17 +19,16 @@
     <p:sldId id="267" r:id="rId10"/>
     <p:sldId id="268" r:id="rId11"/>
     <p:sldId id="269" r:id="rId12"/>
-    <p:sldId id="270" r:id="rId13"/>
-    <p:sldId id="271" r:id="rId14"/>
-    <p:sldId id="272" r:id="rId15"/>
-    <p:sldId id="273" r:id="rId16"/>
-    <p:sldId id="274" r:id="rId17"/>
-    <p:sldId id="275" r:id="rId18"/>
-    <p:sldId id="277" r:id="rId19"/>
-    <p:sldId id="276" r:id="rId20"/>
-    <p:sldId id="278" r:id="rId21"/>
-    <p:sldId id="279" r:id="rId22"/>
-    <p:sldId id="280" r:id="rId23"/>
+    <p:sldId id="271" r:id="rId13"/>
+    <p:sldId id="272" r:id="rId14"/>
+    <p:sldId id="273" r:id="rId15"/>
+    <p:sldId id="274" r:id="rId16"/>
+    <p:sldId id="275" r:id="rId17"/>
+    <p:sldId id="277" r:id="rId18"/>
+    <p:sldId id="276" r:id="rId19"/>
+    <p:sldId id="278" r:id="rId20"/>
+    <p:sldId id="279" r:id="rId21"/>
+    <p:sldId id="280" r:id="rId22"/>
   </p:sldIdLst>
   <p:sldSz cx="9144000" cy="5143500" type="screen16x9"/>
   <p:notesSz cx="6858000" cy="9144000"/>
@@ -655,7 +654,7 @@
     </p:spTree>
     <p:extLst>
       <p:ext uri="{BB962C8B-B14F-4D97-AF65-F5344CB8AC3E}">
-        <p14:creationId xmlns:p14="http://schemas.microsoft.com/office/powerpoint/2010/main" val="2504676325"/>
+        <p14:creationId xmlns:p14="http://schemas.microsoft.com/office/powerpoint/2010/main" val="4262363900"/>
       </p:ext>
     </p:extLst>
   </p:cSld>
@@ -739,7 +738,7 @@
     </p:spTree>
     <p:extLst>
       <p:ext uri="{BB962C8B-B14F-4D97-AF65-F5344CB8AC3E}">
-        <p14:creationId xmlns:p14="http://schemas.microsoft.com/office/powerpoint/2010/main" val="4262363900"/>
+        <p14:creationId xmlns:p14="http://schemas.microsoft.com/office/powerpoint/2010/main" val="3811736510"/>
       </p:ext>
     </p:extLst>
   </p:cSld>
@@ -823,7 +822,7 @@
     </p:spTree>
     <p:extLst>
       <p:ext uri="{BB962C8B-B14F-4D97-AF65-F5344CB8AC3E}">
-        <p14:creationId xmlns:p14="http://schemas.microsoft.com/office/powerpoint/2010/main" val="3811736510"/>
+        <p14:creationId xmlns:p14="http://schemas.microsoft.com/office/powerpoint/2010/main" val="3959356060"/>
       </p:ext>
     </p:extLst>
   </p:cSld>
@@ -907,7 +906,7 @@
     </p:spTree>
     <p:extLst>
       <p:ext uri="{BB962C8B-B14F-4D97-AF65-F5344CB8AC3E}">
-        <p14:creationId xmlns:p14="http://schemas.microsoft.com/office/powerpoint/2010/main" val="3959356060"/>
+        <p14:creationId xmlns:p14="http://schemas.microsoft.com/office/powerpoint/2010/main" val="4040199492"/>
       </p:ext>
     </p:extLst>
   </p:cSld>
@@ -991,7 +990,7 @@
     </p:spTree>
     <p:extLst>
       <p:ext uri="{BB962C8B-B14F-4D97-AF65-F5344CB8AC3E}">
-        <p14:creationId xmlns:p14="http://schemas.microsoft.com/office/powerpoint/2010/main" val="4040199492"/>
+        <p14:creationId xmlns:p14="http://schemas.microsoft.com/office/powerpoint/2010/main" val="2359179887"/>
       </p:ext>
     </p:extLst>
   </p:cSld>
@@ -1075,7 +1074,7 @@
     </p:spTree>
     <p:extLst>
       <p:ext uri="{BB962C8B-B14F-4D97-AF65-F5344CB8AC3E}">
-        <p14:creationId xmlns:p14="http://schemas.microsoft.com/office/powerpoint/2010/main" val="2359179887"/>
+        <p14:creationId xmlns:p14="http://schemas.microsoft.com/office/powerpoint/2010/main" val="485093471"/>
       </p:ext>
     </p:extLst>
   </p:cSld>
@@ -1159,7 +1158,7 @@
     </p:spTree>
     <p:extLst>
       <p:ext uri="{BB962C8B-B14F-4D97-AF65-F5344CB8AC3E}">
-        <p14:creationId xmlns:p14="http://schemas.microsoft.com/office/powerpoint/2010/main" val="485093471"/>
+        <p14:creationId xmlns:p14="http://schemas.microsoft.com/office/powerpoint/2010/main" val="3656280204"/>
       </p:ext>
     </p:extLst>
   </p:cSld>
@@ -1243,7 +1242,7 @@
     </p:spTree>
     <p:extLst>
       <p:ext uri="{BB962C8B-B14F-4D97-AF65-F5344CB8AC3E}">
-        <p14:creationId xmlns:p14="http://schemas.microsoft.com/office/powerpoint/2010/main" val="3656280204"/>
+        <p14:creationId xmlns:p14="http://schemas.microsoft.com/office/powerpoint/2010/main" val="1219250247"/>
       </p:ext>
     </p:extLst>
   </p:cSld>
@@ -1327,7 +1326,7 @@
     </p:spTree>
     <p:extLst>
       <p:ext uri="{BB962C8B-B14F-4D97-AF65-F5344CB8AC3E}">
-        <p14:creationId xmlns:p14="http://schemas.microsoft.com/office/powerpoint/2010/main" val="1219250247"/>
+        <p14:creationId xmlns:p14="http://schemas.microsoft.com/office/powerpoint/2010/main" val="4233071043"/>
       </p:ext>
     </p:extLst>
   </p:cSld>
@@ -1411,7 +1410,7 @@
     </p:spTree>
     <p:extLst>
       <p:ext uri="{BB962C8B-B14F-4D97-AF65-F5344CB8AC3E}">
-        <p14:creationId xmlns:p14="http://schemas.microsoft.com/office/powerpoint/2010/main" val="4233071043"/>
+        <p14:creationId xmlns:p14="http://schemas.microsoft.com/office/powerpoint/2010/main" val="4144546753"/>
       </p:ext>
     </p:extLst>
   </p:cSld>
@@ -1496,90 +1495,6 @@
     <p:extLst>
       <p:ext uri="{BB962C8B-B14F-4D97-AF65-F5344CB8AC3E}">
         <p14:creationId xmlns:p14="http://schemas.microsoft.com/office/powerpoint/2010/main" val="75753870"/>
-      </p:ext>
-    </p:extLst>
-  </p:cSld>
-  <p:clrMapOvr>
-    <a:masterClrMapping/>
-  </p:clrMapOvr>
-</p:notes>
-</file>
-
-<file path=ppt/notesSlides/notesSlide20.xml><?xml version="1.0" encoding="utf-8"?>
-<p:notes xmlns:a="http://schemas.openxmlformats.org/drawingml/2006/main" xmlns:r="http://schemas.openxmlformats.org/officeDocument/2006/relationships" xmlns:p="http://schemas.openxmlformats.org/presentationml/2006/main">
-  <p:cSld>
-    <p:spTree>
-      <p:nvGrpSpPr>
-        <p:cNvPr id="1" name=""/>
-        <p:cNvGrpSpPr/>
-        <p:nvPr/>
-      </p:nvGrpSpPr>
-      <p:grpSpPr>
-        <a:xfrm>
-          <a:off x="0" y="0"/>
-          <a:ext cx="0" cy="0"/>
-          <a:chOff x="0" y="0"/>
-          <a:chExt cx="0" cy="0"/>
-        </a:xfrm>
-      </p:grpSpPr>
-      <p:sp>
-        <p:nvSpPr>
-          <p:cNvPr id="2" name="Marcador de imagen de diapositiva 1"/>
-          <p:cNvSpPr>
-            <a:spLocks noGrp="1" noRot="1" noChangeAspect="1"/>
-          </p:cNvSpPr>
-          <p:nvPr>
-            <p:ph type="sldImg"/>
-          </p:nvPr>
-        </p:nvSpPr>
-        <p:spPr/>
-      </p:sp>
-      <p:sp>
-        <p:nvSpPr>
-          <p:cNvPr id="3" name="Marcador de notas 2"/>
-          <p:cNvSpPr>
-            <a:spLocks noGrp="1"/>
-          </p:cNvSpPr>
-          <p:nvPr>
-            <p:ph type="body" idx="1"/>
-          </p:nvPr>
-        </p:nvSpPr>
-        <p:spPr/>
-        <p:txBody>
-          <a:bodyPr/>
-          <a:lstStyle/>
-          <a:p>
-            <a:endParaRPr lang="es-AR" dirty="0"/>
-          </a:p>
-        </p:txBody>
-      </p:sp>
-      <p:sp>
-        <p:nvSpPr>
-          <p:cNvPr id="4" name="Marcador de número de diapositiva 3"/>
-          <p:cNvSpPr>
-            <a:spLocks noGrp="1"/>
-          </p:cNvSpPr>
-          <p:nvPr>
-            <p:ph type="sldNum" sz="quarter" idx="5"/>
-          </p:nvPr>
-        </p:nvSpPr>
-        <p:spPr/>
-        <p:txBody>
-          <a:bodyPr/>
-          <a:lstStyle/>
-          <a:p>
-            <a:fld id="{51D9502A-4BDA-4A12-B9E9-1003CB6F1C83}" type="slidenum">
-              <a:rPr lang="es-AR" smtClean="0"/>
-              <a:t>21</a:t>
-            </a:fld>
-            <a:endParaRPr lang="es-AR"/>
-          </a:p>
-        </p:txBody>
-      </p:sp>
-    </p:spTree>
-    <p:extLst>
-      <p:ext uri="{BB962C8B-B14F-4D97-AF65-F5344CB8AC3E}">
-        <p14:creationId xmlns:p14="http://schemas.microsoft.com/office/powerpoint/2010/main" val="4144546753"/>
       </p:ext>
     </p:extLst>
   </p:cSld>
@@ -5980,7 +5895,7 @@
           </a:bodyPr>
           <a:lstStyle/>
           <a:p>
-            <a:pPr algn="ctr"/>
+            <a:pPr algn="r"/>
             <a:r>
               <a:rPr lang="es-AR" altLang="ko-KR" sz="2800" b="1" dirty="0">
                 <a:solidFill>
@@ -6196,9 +6111,27 @@
               <a:rPr lang="es-AR" altLang="ko-KR" b="1" dirty="0" err="1"/>
               <a:t>Game</a:t>
             </a:r>
-            <a:endParaRPr lang="es-AR" b="1" dirty="0">
-              <a:latin typeface="Arial" pitchFamily="34" charset="0"/>
-              <a:cs typeface="Arial" pitchFamily="34" charset="0"/>
+            <a:r>
+              <a:rPr lang="es-AR" altLang="ko-KR" b="1" dirty="0"/>
+              <a:t>: método </a:t>
+            </a:r>
+            <a:r>
+              <a:rPr lang="es-AR" altLang="ko-KR" dirty="0" err="1">
+                <a:latin typeface="Courier New" panose="02070309020205020404" pitchFamily="49" charset="0"/>
+                <a:cs typeface="Courier New" panose="02070309020205020404" pitchFamily="49" charset="0"/>
+              </a:rPr>
+              <a:t>startWar</a:t>
+            </a:r>
+            <a:r>
+              <a:rPr lang="es-AR" altLang="ko-KR" dirty="0">
+                <a:latin typeface="Courier New" panose="02070309020205020404" pitchFamily="49" charset="0"/>
+                <a:cs typeface="Courier New" panose="02070309020205020404" pitchFamily="49" charset="0"/>
+              </a:rPr>
+              <a:t>()</a:t>
+            </a:r>
+            <a:endParaRPr lang="es-AR" dirty="0">
+              <a:latin typeface="Courier New" panose="02070309020205020404" pitchFamily="49" charset="0"/>
+              <a:cs typeface="Courier New" panose="02070309020205020404" pitchFamily="49" charset="0"/>
             </a:endParaRPr>
           </a:p>
         </p:txBody>
@@ -6379,136 +6312,25 @@
           <a:p>
             <a:r>
               <a:rPr lang="es-AR" altLang="ko-KR" b="1" dirty="0"/>
-              <a:t>Clase Player</a:t>
-            </a:r>
-            <a:endParaRPr lang="es-AR" b="1" dirty="0">
-              <a:latin typeface="Arial" pitchFamily="34" charset="0"/>
-              <a:cs typeface="Arial" pitchFamily="34" charset="0"/>
-            </a:endParaRPr>
-          </a:p>
-        </p:txBody>
-      </p:sp>
-      <p:sp>
-        <p:nvSpPr>
-          <p:cNvPr id="3" name="Title 2"/>
-          <p:cNvSpPr>
-            <a:spLocks noGrp="1"/>
-          </p:cNvSpPr>
-          <p:nvPr>
-            <p:ph type="title"/>
-          </p:nvPr>
-        </p:nvSpPr>
-        <p:spPr>
-          <a:xfrm>
-            <a:off x="395536" y="0"/>
-            <a:ext cx="8748464" cy="884466"/>
-          </a:xfrm>
-        </p:spPr>
-        <p:txBody>
-          <a:bodyPr/>
-          <a:lstStyle/>
-          <a:p>
-            <a:r>
-              <a:rPr lang="es-AR" dirty="0"/>
-              <a:t>Métodos de clases</a:t>
-            </a:r>
-            <a:endParaRPr lang="en-US" dirty="0"/>
-          </a:p>
-        </p:txBody>
-      </p:sp>
-      <p:pic>
-        <p:nvPicPr>
-          <p:cNvPr id="8" name="Marcador de contenido 7">
-            <a:extLst>
-              <a:ext uri="{FF2B5EF4-FFF2-40B4-BE49-F238E27FC236}">
-                <a16:creationId xmlns:a16="http://schemas.microsoft.com/office/drawing/2014/main" id="{89A69E45-4D03-44CE-98A0-E2F169C0C93F}"/>
-              </a:ext>
-            </a:extLst>
-          </p:cNvPr>
-          <p:cNvPicPr>
-            <a:picLocks noGrp="1" noChangeAspect="1"/>
-          </p:cNvPicPr>
-          <p:nvPr>
-            <p:ph idx="10"/>
-          </p:nvPr>
-        </p:nvPicPr>
-        <p:blipFill>
-          <a:blip r:embed="rId3"/>
-          <a:stretch>
-            <a:fillRect/>
-          </a:stretch>
-        </p:blipFill>
-        <p:spPr>
-          <a:xfrm>
-            <a:off x="1574860" y="1635646"/>
-            <a:ext cx="6138296" cy="2995612"/>
-          </a:xfrm>
-          <a:prstGeom prst="rect">
-            <a:avLst/>
-          </a:prstGeom>
-        </p:spPr>
-      </p:pic>
-    </p:spTree>
-    <p:extLst>
-      <p:ext uri="{BB962C8B-B14F-4D97-AF65-F5344CB8AC3E}">
-        <p14:creationId xmlns:p14="http://schemas.microsoft.com/office/powerpoint/2010/main" val="2218020132"/>
-      </p:ext>
-    </p:extLst>
-  </p:cSld>
-  <p:clrMapOvr>
-    <a:masterClrMapping/>
-  </p:clrMapOvr>
-</p:sld>
-</file>
-
-<file path=ppt/slides/slide12.xml><?xml version="1.0" encoding="utf-8"?>
-<p:sld xmlns:a="http://schemas.openxmlformats.org/drawingml/2006/main" xmlns:r="http://schemas.openxmlformats.org/officeDocument/2006/relationships" xmlns:p="http://schemas.openxmlformats.org/presentationml/2006/main">
-  <p:cSld>
-    <p:spTree>
-      <p:nvGrpSpPr>
-        <p:cNvPr id="1" name=""/>
-        <p:cNvGrpSpPr/>
-        <p:nvPr/>
-      </p:nvGrpSpPr>
-      <p:grpSpPr>
-        <a:xfrm>
-          <a:off x="0" y="0"/>
-          <a:ext cx="0" cy="0"/>
-          <a:chOff x="0" y="0"/>
-          <a:chExt cx="0" cy="0"/>
-        </a:xfrm>
-      </p:grpSpPr>
-      <p:sp>
-        <p:nvSpPr>
-          <p:cNvPr id="2" name="Content Placeholder 1"/>
-          <p:cNvSpPr>
-            <a:spLocks noGrp="1"/>
-          </p:cNvSpPr>
-          <p:nvPr>
-            <p:ph idx="1"/>
-          </p:nvPr>
-        </p:nvSpPr>
-        <p:spPr>
-          <a:xfrm>
-            <a:off x="395536" y="987574"/>
-            <a:ext cx="8496944" cy="460648"/>
-          </a:xfrm>
-        </p:spPr>
-        <p:txBody>
-          <a:bodyPr/>
-          <a:lstStyle/>
-          <a:p>
-            <a:r>
-              <a:rPr lang="es-AR" altLang="ko-KR" b="1" dirty="0"/>
               <a:t>Clase Player: método </a:t>
             </a:r>
             <a:r>
-              <a:rPr lang="es-AR" altLang="ko-KR" i="1" dirty="0" err="1"/>
+              <a:rPr lang="es-AR" altLang="ko-KR" sz="1800" dirty="0" err="1">
+                <a:latin typeface="Courier New" panose="02070309020205020404" pitchFamily="49" charset="0"/>
+                <a:cs typeface="Courier New" panose="02070309020205020404" pitchFamily="49" charset="0"/>
+              </a:rPr>
               <a:t>attack</a:t>
             </a:r>
-            <a:endParaRPr lang="es-AR" i="1" dirty="0">
-              <a:latin typeface="Arial" pitchFamily="34" charset="0"/>
-              <a:cs typeface="Arial" pitchFamily="34" charset="0"/>
+            <a:r>
+              <a:rPr lang="es-AR" altLang="ko-KR" sz="1800" dirty="0">
+                <a:latin typeface="Courier New" panose="02070309020205020404" pitchFamily="49" charset="0"/>
+                <a:cs typeface="Courier New" panose="02070309020205020404" pitchFamily="49" charset="0"/>
+              </a:rPr>
+              <a:t>()</a:t>
+            </a:r>
+            <a:endParaRPr lang="es-AR" sz="1800" dirty="0">
+              <a:latin typeface="Courier New" panose="02070309020205020404" pitchFamily="49" charset="0"/>
+              <a:cs typeface="Courier New" panose="02070309020205020404" pitchFamily="49" charset="0"/>
             </a:endParaRPr>
           </a:p>
         </p:txBody>
@@ -6586,7 +6408,7 @@
 </p:sld>
 </file>
 
-<file path=ppt/slides/slide13.xml><?xml version="1.0" encoding="utf-8"?>
+<file path=ppt/slides/slide12.xml><?xml version="1.0" encoding="utf-8"?>
 <p:sld xmlns:a="http://schemas.openxmlformats.org/drawingml/2006/main" xmlns:r="http://schemas.openxmlformats.org/officeDocument/2006/relationships" xmlns:p="http://schemas.openxmlformats.org/presentationml/2006/main">
   <p:cSld>
     <p:spTree>
@@ -6628,12 +6450,22 @@
               <a:t>Clase Player: método </a:t>
             </a:r>
             <a:r>
-              <a:rPr lang="es-AR" altLang="ko-KR" i="1" dirty="0" err="1"/>
+              <a:rPr lang="es-AR" altLang="ko-KR" sz="1800" dirty="0" err="1">
+                <a:latin typeface="Courier New" panose="02070309020205020404" pitchFamily="49" charset="0"/>
+                <a:cs typeface="Courier New" panose="02070309020205020404" pitchFamily="49" charset="0"/>
+              </a:rPr>
               <a:t>attack</a:t>
             </a:r>
-            <a:endParaRPr lang="es-AR" i="1" dirty="0">
-              <a:latin typeface="Arial" pitchFamily="34" charset="0"/>
-              <a:cs typeface="Arial" pitchFamily="34" charset="0"/>
+            <a:r>
+              <a:rPr lang="es-AR" altLang="ko-KR" sz="1800" dirty="0">
+                <a:latin typeface="Courier New" panose="02070309020205020404" pitchFamily="49" charset="0"/>
+                <a:cs typeface="Courier New" panose="02070309020205020404" pitchFamily="49" charset="0"/>
+              </a:rPr>
+              <a:t>()</a:t>
+            </a:r>
+            <a:endParaRPr lang="es-AR" sz="1800" dirty="0">
+              <a:latin typeface="Courier New" panose="02070309020205020404" pitchFamily="49" charset="0"/>
+              <a:cs typeface="Courier New" panose="02070309020205020404" pitchFamily="49" charset="0"/>
             </a:endParaRPr>
           </a:p>
         </p:txBody>
@@ -6711,7 +6543,7 @@
 </p:sld>
 </file>
 
-<file path=ppt/slides/slide14.xml><?xml version="1.0" encoding="utf-8"?>
+<file path=ppt/slides/slide13.xml><?xml version="1.0" encoding="utf-8"?>
 <p:sld xmlns:a="http://schemas.openxmlformats.org/drawingml/2006/main" xmlns:r="http://schemas.openxmlformats.org/officeDocument/2006/relationships" xmlns:p="http://schemas.openxmlformats.org/presentationml/2006/main">
   <p:cSld>
     <p:spTree>
@@ -6753,12 +6585,22 @@
               <a:t>Clase Player: método </a:t>
             </a:r>
             <a:r>
-              <a:rPr lang="es-AR" altLang="ko-KR" i="1" dirty="0" err="1"/>
+              <a:rPr lang="es-AR" altLang="ko-KR" sz="1800" dirty="0" err="1">
+                <a:latin typeface="Courier New" panose="02070309020205020404" pitchFamily="49" charset="0"/>
+                <a:cs typeface="Courier New" panose="02070309020205020404" pitchFamily="49" charset="0"/>
+              </a:rPr>
               <a:t>isPlacedShipsEmpty</a:t>
             </a:r>
-            <a:endParaRPr lang="es-AR" i="1" dirty="0">
-              <a:latin typeface="Arial" pitchFamily="34" charset="0"/>
-              <a:cs typeface="Arial" pitchFamily="34" charset="0"/>
+            <a:r>
+              <a:rPr lang="es-AR" altLang="ko-KR" sz="1800" dirty="0">
+                <a:latin typeface="Courier New" panose="02070309020205020404" pitchFamily="49" charset="0"/>
+                <a:cs typeface="Courier New" panose="02070309020205020404" pitchFamily="49" charset="0"/>
+              </a:rPr>
+              <a:t>()</a:t>
+            </a:r>
+            <a:endParaRPr lang="es-AR" sz="1800" dirty="0">
+              <a:latin typeface="Courier New" panose="02070309020205020404" pitchFamily="49" charset="0"/>
+              <a:cs typeface="Courier New" panose="02070309020205020404" pitchFamily="49" charset="0"/>
             </a:endParaRPr>
           </a:p>
         </p:txBody>
@@ -6834,7 +6676,7 @@
 </p:sld>
 </file>
 
-<file path=ppt/slides/slide15.xml><?xml version="1.0" encoding="utf-8"?>
+<file path=ppt/slides/slide14.xml><?xml version="1.0" encoding="utf-8"?>
 <p:sld xmlns:a="http://schemas.openxmlformats.org/drawingml/2006/main" xmlns:r="http://schemas.openxmlformats.org/officeDocument/2006/relationships" xmlns:p="http://schemas.openxmlformats.org/presentationml/2006/main">
   <p:cSld>
     <p:spTree>
@@ -6884,12 +6726,22 @@
               <a:t>: método </a:t>
             </a:r>
             <a:r>
-              <a:rPr lang="es-AR" altLang="ko-KR" i="1" dirty="0" err="1"/>
+              <a:rPr lang="es-AR" altLang="ko-KR" sz="1800" dirty="0" err="1">
+                <a:latin typeface="Courier New" panose="02070309020205020404" pitchFamily="49" charset="0"/>
+                <a:cs typeface="Courier New" panose="02070309020205020404" pitchFamily="49" charset="0"/>
+              </a:rPr>
               <a:t>displayBoard</a:t>
             </a:r>
-            <a:endParaRPr lang="es-AR" i="1" dirty="0">
-              <a:latin typeface="Arial" pitchFamily="34" charset="0"/>
-              <a:cs typeface="Arial" pitchFamily="34" charset="0"/>
+            <a:r>
+              <a:rPr lang="es-AR" altLang="ko-KR" sz="1800" dirty="0">
+                <a:latin typeface="Courier New" panose="02070309020205020404" pitchFamily="49" charset="0"/>
+                <a:cs typeface="Courier New" panose="02070309020205020404" pitchFamily="49" charset="0"/>
+              </a:rPr>
+              <a:t>()</a:t>
+            </a:r>
+            <a:endParaRPr lang="es-AR" sz="1800" dirty="0">
+              <a:latin typeface="Courier New" panose="02070309020205020404" pitchFamily="49" charset="0"/>
+              <a:cs typeface="Courier New" panose="02070309020205020404" pitchFamily="49" charset="0"/>
             </a:endParaRPr>
           </a:p>
         </p:txBody>
@@ -6965,7 +6817,7 @@
 </p:sld>
 </file>
 
-<file path=ppt/slides/slide16.xml><?xml version="1.0" encoding="utf-8"?>
+<file path=ppt/slides/slide15.xml><?xml version="1.0" encoding="utf-8"?>
 <p:sld xmlns:a="http://schemas.openxmlformats.org/drawingml/2006/main" xmlns:r="http://schemas.openxmlformats.org/officeDocument/2006/relationships" xmlns:p="http://schemas.openxmlformats.org/presentationml/2006/main">
   <p:cSld>
     <p:spTree>
@@ -7015,16 +6867,22 @@
               <a:t>: método </a:t>
             </a:r>
             <a:r>
-              <a:rPr lang="es-AR" altLang="ko-KR" i="1" dirty="0" err="1"/>
+              <a:rPr lang="es-AR" altLang="ko-KR" dirty="0" err="1">
+                <a:latin typeface="Courier New" panose="02070309020205020404" pitchFamily="49" charset="0"/>
+                <a:cs typeface="Courier New" panose="02070309020205020404" pitchFamily="49" charset="0"/>
+              </a:rPr>
               <a:t>displayBoard</a:t>
             </a:r>
             <a:r>
-              <a:rPr lang="es-AR" altLang="ko-KR" i="1" dirty="0"/>
+              <a:rPr lang="es-AR" altLang="ko-KR" dirty="0">
+                <a:latin typeface="Courier New" panose="02070309020205020404" pitchFamily="49" charset="0"/>
+                <a:cs typeface="Courier New" panose="02070309020205020404" pitchFamily="49" charset="0"/>
+              </a:rPr>
               <a:t>()</a:t>
             </a:r>
-            <a:endParaRPr lang="es-AR" i="1" dirty="0">
-              <a:latin typeface="Arial" pitchFamily="34" charset="0"/>
-              <a:cs typeface="Arial" pitchFamily="34" charset="0"/>
+            <a:endParaRPr lang="es-AR" dirty="0">
+              <a:latin typeface="Courier New" panose="02070309020205020404" pitchFamily="49" charset="0"/>
+              <a:cs typeface="Courier New" panose="02070309020205020404" pitchFamily="49" charset="0"/>
             </a:endParaRPr>
           </a:p>
         </p:txBody>
@@ -7100,7 +6958,7 @@
 </p:sld>
 </file>
 
-<file path=ppt/slides/slide17.xml><?xml version="1.0" encoding="utf-8"?>
+<file path=ppt/slides/slide16.xml><?xml version="1.0" encoding="utf-8"?>
 <p:sld xmlns:a="http://schemas.openxmlformats.org/drawingml/2006/main" xmlns:r="http://schemas.openxmlformats.org/officeDocument/2006/relationships" xmlns:p="http://schemas.openxmlformats.org/presentationml/2006/main">
   <p:cSld>
     <p:spTree>
@@ -7150,16 +7008,22 @@
               <a:t>: método </a:t>
             </a:r>
             <a:r>
-              <a:rPr lang="es-AR" altLang="ko-KR" i="1" dirty="0" err="1"/>
+              <a:rPr lang="es-AR" altLang="ko-KR" dirty="0" err="1">
+                <a:latin typeface="Courier New" panose="02070309020205020404" pitchFamily="49" charset="0"/>
+                <a:cs typeface="Courier New" panose="02070309020205020404" pitchFamily="49" charset="0"/>
+              </a:rPr>
               <a:t>areTheBoxesFree</a:t>
             </a:r>
             <a:r>
-              <a:rPr lang="es-AR" altLang="ko-KR" i="1" dirty="0"/>
+              <a:rPr lang="es-AR" altLang="ko-KR" dirty="0">
+                <a:latin typeface="Courier New" panose="02070309020205020404" pitchFamily="49" charset="0"/>
+                <a:cs typeface="Courier New" panose="02070309020205020404" pitchFamily="49" charset="0"/>
+              </a:rPr>
               <a:t>()</a:t>
             </a:r>
-            <a:endParaRPr lang="es-AR" i="1" dirty="0">
-              <a:latin typeface="Arial" pitchFamily="34" charset="0"/>
-              <a:cs typeface="Arial" pitchFamily="34" charset="0"/>
+            <a:endParaRPr lang="es-AR" dirty="0">
+              <a:latin typeface="Courier New" panose="02070309020205020404" pitchFamily="49" charset="0"/>
+              <a:cs typeface="Courier New" panose="02070309020205020404" pitchFamily="49" charset="0"/>
             </a:endParaRPr>
           </a:p>
         </p:txBody>
@@ -7235,7 +7099,7 @@
 </p:sld>
 </file>
 
-<file path=ppt/slides/slide18.xml><?xml version="1.0" encoding="utf-8"?>
+<file path=ppt/slides/slide17.xml><?xml version="1.0" encoding="utf-8"?>
 <p:sld xmlns:a="http://schemas.openxmlformats.org/drawingml/2006/main" xmlns:r="http://schemas.openxmlformats.org/officeDocument/2006/relationships" xmlns:p="http://schemas.openxmlformats.org/presentationml/2006/main">
   <p:cSld>
     <p:spTree>
@@ -7285,16 +7149,22 @@
               <a:t>: método </a:t>
             </a:r>
             <a:r>
-              <a:rPr lang="es-AR" altLang="ko-KR" i="1" dirty="0" err="1"/>
-              <a:t>displayBoard</a:t>
-            </a:r>
-            <a:r>
-              <a:rPr lang="es-AR" altLang="ko-KR" i="1" dirty="0"/>
+              <a:rPr lang="es-AR" altLang="ko-KR" dirty="0" err="1">
+                <a:latin typeface="Courier New" panose="02070309020205020404" pitchFamily="49" charset="0"/>
+                <a:cs typeface="Courier New" panose="02070309020205020404" pitchFamily="49" charset="0"/>
+              </a:rPr>
+              <a:t>insertValue</a:t>
+            </a:r>
+            <a:r>
+              <a:rPr lang="es-AR" altLang="ko-KR" dirty="0">
+                <a:latin typeface="Courier New" panose="02070309020205020404" pitchFamily="49" charset="0"/>
+                <a:cs typeface="Courier New" panose="02070309020205020404" pitchFamily="49" charset="0"/>
+              </a:rPr>
               <a:t>()</a:t>
             </a:r>
-            <a:endParaRPr lang="es-AR" i="1" dirty="0">
-              <a:latin typeface="Arial" pitchFamily="34" charset="0"/>
-              <a:cs typeface="Arial" pitchFamily="34" charset="0"/>
+            <a:endParaRPr lang="es-AR" dirty="0">
+              <a:latin typeface="Courier New" panose="02070309020205020404" pitchFamily="49" charset="0"/>
+              <a:cs typeface="Courier New" panose="02070309020205020404" pitchFamily="49" charset="0"/>
             </a:endParaRPr>
           </a:p>
         </p:txBody>
@@ -7370,7 +7240,7 @@
 </p:sld>
 </file>
 
-<file path=ppt/slides/slide19.xml><?xml version="1.0" encoding="utf-8"?>
+<file path=ppt/slides/slide18.xml><?xml version="1.0" encoding="utf-8"?>
 <p:sld xmlns:a="http://schemas.openxmlformats.org/drawingml/2006/main" xmlns:r="http://schemas.openxmlformats.org/officeDocument/2006/relationships" xmlns:p="http://schemas.openxmlformats.org/presentationml/2006/main">
   <p:cSld>
     <p:spTree>
@@ -7420,16 +7290,22 @@
               <a:t>: método </a:t>
             </a:r>
             <a:r>
-              <a:rPr lang="es-AR" altLang="ko-KR" i="1" dirty="0" err="1"/>
-              <a:t>displayBoard</a:t>
-            </a:r>
-            <a:r>
-              <a:rPr lang="es-AR" altLang="ko-KR" i="1" dirty="0"/>
+              <a:rPr lang="es-AR" altLang="ko-KR" dirty="0" err="1">
+                <a:latin typeface="Courier New" panose="02070309020205020404" pitchFamily="49" charset="0"/>
+                <a:cs typeface="Courier New" panose="02070309020205020404" pitchFamily="49" charset="0"/>
+              </a:rPr>
+              <a:t>isThereAShipPart</a:t>
+            </a:r>
+            <a:r>
+              <a:rPr lang="es-AR" altLang="ko-KR" dirty="0">
+                <a:latin typeface="Courier New" panose="02070309020205020404" pitchFamily="49" charset="0"/>
+                <a:cs typeface="Courier New" panose="02070309020205020404" pitchFamily="49" charset="0"/>
+              </a:rPr>
               <a:t>()</a:t>
             </a:r>
-            <a:endParaRPr lang="es-AR" i="1" dirty="0">
-              <a:latin typeface="Arial" pitchFamily="34" charset="0"/>
-              <a:cs typeface="Arial" pitchFamily="34" charset="0"/>
+            <a:endParaRPr lang="es-AR" dirty="0">
+              <a:latin typeface="Courier New" panose="02070309020205020404" pitchFamily="49" charset="0"/>
+              <a:cs typeface="Courier New" panose="02070309020205020404" pitchFamily="49" charset="0"/>
             </a:endParaRPr>
           </a:p>
         </p:txBody>
@@ -7505,7 +7381,7 @@
 </p:sld>
 </file>
 
-<file path=ppt/slides/slide2.xml><?xml version="1.0" encoding="utf-8"?>
+<file path=ppt/slides/slide19.xml><?xml version="1.0" encoding="utf-8"?>
 <p:sld xmlns:a="http://schemas.openxmlformats.org/drawingml/2006/main" xmlns:r="http://schemas.openxmlformats.org/officeDocument/2006/relationships" xmlns:p="http://schemas.openxmlformats.org/presentationml/2006/main">
   <p:cSld>
     <p:spTree>
@@ -7524,97 +7400,6 @@
       </p:grpSpPr>
       <p:sp>
         <p:nvSpPr>
-          <p:cNvPr id="3" name="Title 2"/>
-          <p:cNvSpPr>
-            <a:spLocks noGrp="1"/>
-          </p:cNvSpPr>
-          <p:nvPr>
-            <p:ph type="title"/>
-          </p:nvPr>
-        </p:nvSpPr>
-        <p:spPr>
-          <a:xfrm>
-            <a:off x="395536" y="0"/>
-            <a:ext cx="8748464" cy="884466"/>
-          </a:xfrm>
-        </p:spPr>
-        <p:txBody>
-          <a:bodyPr/>
-          <a:lstStyle/>
-          <a:p>
-            <a:r>
-              <a:rPr lang="es-AR" dirty="0"/>
-              <a:t>Diagrama</a:t>
-            </a:r>
-            <a:r>
-              <a:rPr lang="en-US" dirty="0"/>
-              <a:t> UML</a:t>
-            </a:r>
-          </a:p>
-        </p:txBody>
-      </p:sp>
-      <p:pic>
-        <p:nvPicPr>
-          <p:cNvPr id="11" name="Imagen 10">
-            <a:extLst>
-              <a:ext uri="{FF2B5EF4-FFF2-40B4-BE49-F238E27FC236}">
-                <a16:creationId xmlns:a16="http://schemas.microsoft.com/office/drawing/2014/main" id="{20AC7BF8-F977-437D-9D76-5F17028C2093}"/>
-              </a:ext>
-            </a:extLst>
-          </p:cNvPr>
-          <p:cNvPicPr>
-            <a:picLocks noChangeAspect="1"/>
-          </p:cNvPicPr>
-          <p:nvPr/>
-        </p:nvPicPr>
-        <p:blipFill>
-          <a:blip r:embed="rId3"/>
-          <a:stretch>
-            <a:fillRect/>
-          </a:stretch>
-        </p:blipFill>
-        <p:spPr>
-          <a:xfrm>
-            <a:off x="336069" y="1131590"/>
-            <a:ext cx="8471862" cy="3474267"/>
-          </a:xfrm>
-          <a:prstGeom prst="rect">
-            <a:avLst/>
-          </a:prstGeom>
-        </p:spPr>
-      </p:pic>
-    </p:spTree>
-    <p:extLst>
-      <p:ext uri="{BB962C8B-B14F-4D97-AF65-F5344CB8AC3E}">
-        <p14:creationId xmlns:p14="http://schemas.microsoft.com/office/powerpoint/2010/main" val="2366503769"/>
-      </p:ext>
-    </p:extLst>
-  </p:cSld>
-  <p:clrMapOvr>
-    <a:masterClrMapping/>
-  </p:clrMapOvr>
-</p:sld>
-</file>
-
-<file path=ppt/slides/slide20.xml><?xml version="1.0" encoding="utf-8"?>
-<p:sld xmlns:a="http://schemas.openxmlformats.org/drawingml/2006/main" xmlns:r="http://schemas.openxmlformats.org/officeDocument/2006/relationships" xmlns:p="http://schemas.openxmlformats.org/presentationml/2006/main">
-  <p:cSld>
-    <p:spTree>
-      <p:nvGrpSpPr>
-        <p:cNvPr id="1" name=""/>
-        <p:cNvGrpSpPr/>
-        <p:nvPr/>
-      </p:nvGrpSpPr>
-      <p:grpSpPr>
-        <a:xfrm>
-          <a:off x="0" y="0"/>
-          <a:ext cx="0" cy="0"/>
-          <a:chOff x="0" y="0"/>
-          <a:chExt cx="0" cy="0"/>
-        </a:xfrm>
-      </p:grpSpPr>
-      <p:sp>
-        <p:nvSpPr>
           <p:cNvPr id="2" name="Content Placeholder 1"/>
           <p:cNvSpPr>
             <a:spLocks noGrp="1"/>
@@ -7646,16 +7431,22 @@
               <a:t>: método </a:t>
             </a:r>
             <a:r>
-              <a:rPr lang="es-AR" altLang="ko-KR" i="1" dirty="0" err="1"/>
-              <a:t>displayBoard</a:t>
-            </a:r>
-            <a:r>
-              <a:rPr lang="es-AR" altLang="ko-KR" i="1" dirty="0"/>
+              <a:rPr lang="es-AR" altLang="ko-KR" dirty="0" err="1">
+                <a:latin typeface="Courier New" panose="02070309020205020404" pitchFamily="49" charset="0"/>
+                <a:cs typeface="Courier New" panose="02070309020205020404" pitchFamily="49" charset="0"/>
+              </a:rPr>
+              <a:t>deleteSankPart</a:t>
+            </a:r>
+            <a:r>
+              <a:rPr lang="es-AR" altLang="ko-KR" dirty="0">
+                <a:latin typeface="Courier New" panose="02070309020205020404" pitchFamily="49" charset="0"/>
+                <a:cs typeface="Courier New" panose="02070309020205020404" pitchFamily="49" charset="0"/>
+              </a:rPr>
               <a:t>()</a:t>
             </a:r>
-            <a:endParaRPr lang="es-AR" i="1" dirty="0">
-              <a:latin typeface="Arial" pitchFamily="34" charset="0"/>
-              <a:cs typeface="Arial" pitchFamily="34" charset="0"/>
+            <a:endParaRPr lang="es-AR" dirty="0">
+              <a:latin typeface="Courier New" panose="02070309020205020404" pitchFamily="49" charset="0"/>
+              <a:cs typeface="Courier New" panose="02070309020205020404" pitchFamily="49" charset="0"/>
             </a:endParaRPr>
           </a:p>
         </p:txBody>
@@ -7731,7 +7522,7 @@
 </p:sld>
 </file>
 
-<file path=ppt/slides/slide21.xml><?xml version="1.0" encoding="utf-8"?>
+<file path=ppt/slides/slide2.xml><?xml version="1.0" encoding="utf-8"?>
 <p:sld xmlns:a="http://schemas.openxmlformats.org/drawingml/2006/main" xmlns:r="http://schemas.openxmlformats.org/officeDocument/2006/relationships" xmlns:p="http://schemas.openxmlformats.org/presentationml/2006/main">
   <p:cSld>
     <p:spTree>
@@ -7750,6 +7541,97 @@
       </p:grpSpPr>
       <p:sp>
         <p:nvSpPr>
+          <p:cNvPr id="3" name="Title 2"/>
+          <p:cNvSpPr>
+            <a:spLocks noGrp="1"/>
+          </p:cNvSpPr>
+          <p:nvPr>
+            <p:ph type="title"/>
+          </p:nvPr>
+        </p:nvSpPr>
+        <p:spPr>
+          <a:xfrm>
+            <a:off x="395536" y="0"/>
+            <a:ext cx="8748464" cy="884466"/>
+          </a:xfrm>
+        </p:spPr>
+        <p:txBody>
+          <a:bodyPr/>
+          <a:lstStyle/>
+          <a:p>
+            <a:r>
+              <a:rPr lang="es-AR" dirty="0"/>
+              <a:t>Diagrama</a:t>
+            </a:r>
+            <a:r>
+              <a:rPr lang="en-US" dirty="0"/>
+              <a:t> UML</a:t>
+            </a:r>
+          </a:p>
+        </p:txBody>
+      </p:sp>
+      <p:pic>
+        <p:nvPicPr>
+          <p:cNvPr id="4" name="Imagen 3">
+            <a:extLst>
+              <a:ext uri="{FF2B5EF4-FFF2-40B4-BE49-F238E27FC236}">
+                <a16:creationId xmlns:a16="http://schemas.microsoft.com/office/drawing/2014/main" id="{D231EBCB-13B0-4728-A8CF-497D907E9F41}"/>
+              </a:ext>
+            </a:extLst>
+          </p:cNvPr>
+          <p:cNvPicPr>
+            <a:picLocks noChangeAspect="1"/>
+          </p:cNvPicPr>
+          <p:nvPr/>
+        </p:nvPicPr>
+        <p:blipFill>
+          <a:blip r:embed="rId3"/>
+          <a:stretch>
+            <a:fillRect/>
+          </a:stretch>
+        </p:blipFill>
+        <p:spPr>
+          <a:xfrm>
+            <a:off x="421811" y="1131591"/>
+            <a:ext cx="8435999" cy="3456384"/>
+          </a:xfrm>
+          <a:prstGeom prst="rect">
+            <a:avLst/>
+          </a:prstGeom>
+        </p:spPr>
+      </p:pic>
+    </p:spTree>
+    <p:extLst>
+      <p:ext uri="{BB962C8B-B14F-4D97-AF65-F5344CB8AC3E}">
+        <p14:creationId xmlns:p14="http://schemas.microsoft.com/office/powerpoint/2010/main" val="2366503769"/>
+      </p:ext>
+    </p:extLst>
+  </p:cSld>
+  <p:clrMapOvr>
+    <a:masterClrMapping/>
+  </p:clrMapOvr>
+</p:sld>
+</file>
+
+<file path=ppt/slides/slide20.xml><?xml version="1.0" encoding="utf-8"?>
+<p:sld xmlns:a="http://schemas.openxmlformats.org/drawingml/2006/main" xmlns:r="http://schemas.openxmlformats.org/officeDocument/2006/relationships" xmlns:p="http://schemas.openxmlformats.org/presentationml/2006/main">
+  <p:cSld>
+    <p:spTree>
+      <p:nvGrpSpPr>
+        <p:cNvPr id="1" name=""/>
+        <p:cNvGrpSpPr/>
+        <p:nvPr/>
+      </p:nvGrpSpPr>
+      <p:grpSpPr>
+        <a:xfrm>
+          <a:off x="0" y="0"/>
+          <a:ext cx="0" cy="0"/>
+          <a:chOff x="0" y="0"/>
+          <a:chExt cx="0" cy="0"/>
+        </a:xfrm>
+      </p:grpSpPr>
+      <p:sp>
+        <p:nvSpPr>
           <p:cNvPr id="2" name="Content Placeholder 1"/>
           <p:cNvSpPr>
             <a:spLocks noGrp="1"/>
@@ -7781,16 +7663,22 @@
               <a:t>: método </a:t>
             </a:r>
             <a:r>
-              <a:rPr lang="es-AR" altLang="ko-KR" i="1" dirty="0" err="1"/>
-              <a:t>displayBoard</a:t>
-            </a:r>
-            <a:r>
-              <a:rPr lang="es-AR" altLang="ko-KR" i="1" dirty="0"/>
+              <a:rPr lang="es-AR" altLang="ko-KR" dirty="0" err="1">
+                <a:latin typeface="Courier New" panose="02070309020205020404" pitchFamily="49" charset="0"/>
+                <a:cs typeface="Courier New" panose="02070309020205020404" pitchFamily="49" charset="0"/>
+              </a:rPr>
+              <a:t>isInDeletedShipsParts</a:t>
+            </a:r>
+            <a:r>
+              <a:rPr lang="es-AR" altLang="ko-KR" dirty="0">
+                <a:latin typeface="Courier New" panose="02070309020205020404" pitchFamily="49" charset="0"/>
+                <a:cs typeface="Courier New" panose="02070309020205020404" pitchFamily="49" charset="0"/>
+              </a:rPr>
               <a:t>()</a:t>
             </a:r>
-            <a:endParaRPr lang="es-AR" i="1" dirty="0">
-              <a:latin typeface="Arial" pitchFamily="34" charset="0"/>
-              <a:cs typeface="Arial" pitchFamily="34" charset="0"/>
+            <a:endParaRPr lang="es-AR" dirty="0">
+              <a:latin typeface="Courier New" panose="02070309020205020404" pitchFamily="49" charset="0"/>
+              <a:cs typeface="Courier New" panose="02070309020205020404" pitchFamily="49" charset="0"/>
             </a:endParaRPr>
           </a:p>
         </p:txBody>
@@ -8006,6 +7894,19 @@
               <a:rPr lang="es-AR" altLang="ko-KR" sz="1600" dirty="0"/>
               <a:t>trar los problemas que generaban un error.</a:t>
             </a:r>
+          </a:p>
+          <a:p>
+            <a:pPr marL="285750" indent="-285750">
+              <a:buFont typeface="Arial" panose="020B0604020202020204" pitchFamily="34" charset="0"/>
+              <a:buChar char="•"/>
+            </a:pPr>
+            <a:r>
+              <a:rPr lang="es-AR" altLang="ko-KR" sz="1600" dirty="0">
+                <a:latin typeface="Arial" pitchFamily="34" charset="0"/>
+                <a:cs typeface="Arial" pitchFamily="34" charset="0"/>
+              </a:rPr>
+              <a:t>Falta de tiempo.</a:t>
+            </a:r>
             <a:endParaRPr lang="ko-KR" altLang="en-US" sz="1600" dirty="0">
               <a:latin typeface="Arial" pitchFamily="34" charset="0"/>
               <a:cs typeface="Arial" pitchFamily="34" charset="0"/>
@@ -8410,17 +8311,49 @@
           <a:lstStyle/>
           <a:p>
             <a:r>
-              <a:rPr lang="es-AR" altLang="ko-KR" b="1" dirty="0"/>
+              <a:rPr lang="es-AR" altLang="ko-KR" sz="1800" b="1" dirty="0"/>
               <a:t>Clase </a:t>
             </a:r>
             <a:r>
-              <a:rPr lang="es-AR" altLang="ko-KR" b="1" dirty="0" err="1"/>
+              <a:rPr lang="es-AR" altLang="ko-KR" sz="1800" b="1" dirty="0" err="1"/>
               <a:t>Board</a:t>
             </a:r>
-            <a:endParaRPr lang="es-AR" b="1" dirty="0">
-              <a:latin typeface="Arial" pitchFamily="34" charset="0"/>
-              <a:cs typeface="Arial" pitchFamily="34" charset="0"/>
-            </a:endParaRPr>
+            <a:r>
+              <a:rPr lang="es-AR" altLang="ko-KR" sz="1800" b="1" dirty="0"/>
+              <a:t>: métodos </a:t>
+            </a:r>
+            <a:r>
+              <a:rPr lang="es-AR" sz="1800" dirty="0" err="1">
+                <a:latin typeface="Courier New" panose="02070309020205020404" pitchFamily="49" charset="0"/>
+                <a:cs typeface="Courier New" panose="02070309020205020404" pitchFamily="49" charset="0"/>
+              </a:rPr>
+              <a:t>createMainBoard</a:t>
+            </a:r>
+            <a:r>
+              <a:rPr lang="es-AR" sz="1800" dirty="0">
+                <a:latin typeface="Courier New" panose="02070309020205020404" pitchFamily="49" charset="0"/>
+                <a:cs typeface="Courier New" panose="02070309020205020404" pitchFamily="49" charset="0"/>
+              </a:rPr>
+              <a:t>() </a:t>
+            </a:r>
+            <a:r>
+              <a:rPr lang="es-AR" sz="1800" b="1" dirty="0"/>
+              <a:t>y </a:t>
+            </a:r>
+            <a:r>
+              <a:rPr lang="es-AR" sz="1800" dirty="0" err="1">
+                <a:latin typeface="Courier New" panose="02070309020205020404" pitchFamily="49" charset="0"/>
+                <a:cs typeface="Courier New" panose="02070309020205020404" pitchFamily="49" charset="0"/>
+              </a:rPr>
+              <a:t>createPositionalBoard</a:t>
+            </a:r>
+            <a:r>
+              <a:rPr lang="es-AR" sz="1800" dirty="0">
+                <a:latin typeface="Courier New" panose="02070309020205020404" pitchFamily="49" charset="0"/>
+                <a:cs typeface="Courier New" panose="02070309020205020404" pitchFamily="49" charset="0"/>
+              </a:rPr>
+              <a:t>()</a:t>
+            </a:r>
           </a:p>
         </p:txBody>
       </p:sp>
@@ -8631,9 +8564,27 @@
               <a:rPr lang="es-AR" altLang="ko-KR" b="1" dirty="0" err="1"/>
               <a:t>Game</a:t>
             </a:r>
-            <a:endParaRPr lang="es-AR" b="1" dirty="0">
-              <a:latin typeface="Arial" pitchFamily="34" charset="0"/>
-              <a:cs typeface="Arial" pitchFamily="34" charset="0"/>
+            <a:r>
+              <a:rPr lang="es-AR" altLang="ko-KR" b="1" dirty="0"/>
+              <a:t>: métodos </a:t>
+            </a:r>
+            <a:r>
+              <a:rPr lang="es-AR" altLang="ko-KR" sz="1800" dirty="0" err="1">
+                <a:latin typeface="Courier New" panose="02070309020205020404" pitchFamily="49" charset="0"/>
+                <a:cs typeface="Courier New" panose="02070309020205020404" pitchFamily="49" charset="0"/>
+              </a:rPr>
+              <a:t>shapeBoards</a:t>
+            </a:r>
+            <a:r>
+              <a:rPr lang="es-AR" altLang="ko-KR" sz="1800" dirty="0">
+                <a:latin typeface="Courier New" panose="02070309020205020404" pitchFamily="49" charset="0"/>
+                <a:cs typeface="Courier New" panose="02070309020205020404" pitchFamily="49" charset="0"/>
+              </a:rPr>
+              <a:t>()</a:t>
+            </a:r>
+            <a:endParaRPr lang="es-AR" sz="1800" dirty="0">
+              <a:latin typeface="Courier New" panose="02070309020205020404" pitchFamily="49" charset="0"/>
+              <a:cs typeface="Courier New" panose="02070309020205020404" pitchFamily="49" charset="0"/>
             </a:endParaRPr>
           </a:p>
         </p:txBody>
@@ -8802,18 +8753,37 @@
             <p:ph idx="1"/>
           </p:nvPr>
         </p:nvSpPr>
-        <p:spPr/>
+        <p:spPr>
+          <a:xfrm>
+            <a:off x="395536" y="1131590"/>
+            <a:ext cx="8496944" cy="460648"/>
+          </a:xfrm>
+        </p:spPr>
         <p:txBody>
           <a:bodyPr/>
           <a:lstStyle/>
           <a:p>
             <a:r>
               <a:rPr lang="es-AR" altLang="ko-KR" b="1" dirty="0"/>
-              <a:t>Clase Player</a:t>
-            </a:r>
-            <a:endParaRPr lang="es-AR" b="1" dirty="0">
-              <a:latin typeface="Arial" pitchFamily="34" charset="0"/>
-              <a:cs typeface="Arial" pitchFamily="34" charset="0"/>
+              <a:t>Clase Player: método </a:t>
+            </a:r>
+            <a:r>
+              <a:rPr lang="es-AR" altLang="ko-KR" dirty="0" err="1">
+                <a:latin typeface="Courier New" panose="02070309020205020404" pitchFamily="49" charset="0"/>
+                <a:cs typeface="Courier New" panose="02070309020205020404" pitchFamily="49" charset="0"/>
+              </a:rPr>
+              <a:t>placeShips</a:t>
+            </a:r>
+            <a:r>
+              <a:rPr lang="es-AR" altLang="ko-KR" dirty="0">
+                <a:latin typeface="Courier New" panose="02070309020205020404" pitchFamily="49" charset="0"/>
+                <a:cs typeface="Courier New" panose="02070309020205020404" pitchFamily="49" charset="0"/>
+              </a:rPr>
+              <a:t>()</a:t>
+            </a:r>
+            <a:endParaRPr lang="es-AR" dirty="0">
+              <a:latin typeface="Courier New" panose="02070309020205020404" pitchFamily="49" charset="0"/>
+              <a:cs typeface="Courier New" panose="02070309020205020404" pitchFamily="49" charset="0"/>
             </a:endParaRPr>
           </a:p>
         </p:txBody>
@@ -8995,9 +8965,27 @@
               <a:rPr lang="es-AR" altLang="ko-KR" b="1" dirty="0" err="1"/>
               <a:t>Board</a:t>
             </a:r>
-            <a:endParaRPr lang="es-AR" b="1" dirty="0">
-              <a:latin typeface="Arial" pitchFamily="34" charset="0"/>
-              <a:cs typeface="Arial" pitchFamily="34" charset="0"/>
+            <a:r>
+              <a:rPr lang="es-AR" altLang="ko-KR" b="1" dirty="0"/>
+              <a:t>: método </a:t>
+            </a:r>
+            <a:r>
+              <a:rPr lang="es-AR" altLang="ko-KR" dirty="0" err="1">
+                <a:latin typeface="Courier New" panose="02070309020205020404" pitchFamily="49" charset="0"/>
+                <a:cs typeface="Courier New" panose="02070309020205020404" pitchFamily="49" charset="0"/>
+              </a:rPr>
+              <a:t>locateShipsMainBoard</a:t>
+            </a:r>
+            <a:r>
+              <a:rPr lang="es-AR" altLang="ko-KR" dirty="0">
+                <a:latin typeface="Courier New" panose="02070309020205020404" pitchFamily="49" charset="0"/>
+                <a:cs typeface="Courier New" panose="02070309020205020404" pitchFamily="49" charset="0"/>
+              </a:rPr>
+              <a:t>()</a:t>
+            </a:r>
+            <a:endParaRPr lang="es-AR" dirty="0">
+              <a:latin typeface="Courier New" panose="02070309020205020404" pitchFamily="49" charset="0"/>
+              <a:cs typeface="Courier New" panose="02070309020205020404" pitchFamily="49" charset="0"/>
             </a:endParaRPr>
           </a:p>
         </p:txBody>
@@ -9117,7 +9105,7 @@
         </p:blipFill>
         <p:spPr>
           <a:xfrm>
-            <a:off x="179512" y="1658465"/>
+            <a:off x="409020" y="1658465"/>
             <a:ext cx="4811052" cy="2718577"/>
           </a:xfrm>
           <a:prstGeom prst="rect">
@@ -9146,8 +9134,8 @@
         </p:blipFill>
         <p:spPr>
           <a:xfrm>
-            <a:off x="4644009" y="2258843"/>
-            <a:ext cx="4248472" cy="1517819"/>
+            <a:off x="4860031" y="2258844"/>
+            <a:ext cx="4032449" cy="1440642"/>
           </a:xfrm>
           <a:prstGeom prst="rect">
             <a:avLst/>
